--- a/Presentation/Mindmup on Vue - 2.pptx
+++ b/Presentation/Mindmup on Vue - 2.pptx
@@ -7,6 +7,8 @@
   <p:sldIdLst>
     <p:sldId id="256" r:id="rId2"/>
     <p:sldId id="257" r:id="rId3"/>
+    <p:sldId id="258" r:id="rId4"/>
+    <p:sldId id="259" r:id="rId5"/>
   </p:sldIdLst>
   <p:sldSz cx="12192000" cy="6858000"/>
   <p:notesSz cx="6858000" cy="9144000"/>
@@ -105,6 +107,11 @@
       </a:defRPr>
     </a:lvl9pPr>
   </p:defaultTextStyle>
+  <p:extLst>
+    <p:ext uri="{EFAFB233-063F-42B5-8137-9DF3F51BA10A}">
+      <p15:sldGuideLst xmlns:p15="http://schemas.microsoft.com/office/powerpoint/2012/main"/>
+    </p:ext>
+  </p:extLst>
 </p:presentation>
 </file>
 
@@ -257,7 +264,7 @@
           <a:p>
             <a:fld id="{925A7D51-1326-479B-A115-B13933368759}" type="datetimeFigureOut">
               <a:rPr lang="en-US" smtClean="0"/>
-              <a:t>4/5/2021</a:t>
+              <a:t>4/6/2021</a:t>
             </a:fld>
             <a:endParaRPr lang="en-US"/>
           </a:p>
@@ -457,7 +464,7 @@
           <a:p>
             <a:fld id="{925A7D51-1326-479B-A115-B13933368759}" type="datetimeFigureOut">
               <a:rPr lang="en-US" smtClean="0"/>
-              <a:t>4/5/2021</a:t>
+              <a:t>4/6/2021</a:t>
             </a:fld>
             <a:endParaRPr lang="en-US"/>
           </a:p>
@@ -667,7 +674,7 @@
           <a:p>
             <a:fld id="{925A7D51-1326-479B-A115-B13933368759}" type="datetimeFigureOut">
               <a:rPr lang="en-US" smtClean="0"/>
-              <a:t>4/5/2021</a:t>
+              <a:t>4/6/2021</a:t>
             </a:fld>
             <a:endParaRPr lang="en-US"/>
           </a:p>
@@ -867,7 +874,7 @@
           <a:p>
             <a:fld id="{925A7D51-1326-479B-A115-B13933368759}" type="datetimeFigureOut">
               <a:rPr lang="en-US" smtClean="0"/>
-              <a:t>4/5/2021</a:t>
+              <a:t>4/6/2021</a:t>
             </a:fld>
             <a:endParaRPr lang="en-US"/>
           </a:p>
@@ -1143,7 +1150,7 @@
           <a:p>
             <a:fld id="{925A7D51-1326-479B-A115-B13933368759}" type="datetimeFigureOut">
               <a:rPr lang="en-US" smtClean="0"/>
-              <a:t>4/5/2021</a:t>
+              <a:t>4/6/2021</a:t>
             </a:fld>
             <a:endParaRPr lang="en-US"/>
           </a:p>
@@ -1411,7 +1418,7 @@
           <a:p>
             <a:fld id="{925A7D51-1326-479B-A115-B13933368759}" type="datetimeFigureOut">
               <a:rPr lang="en-US" smtClean="0"/>
-              <a:t>4/5/2021</a:t>
+              <a:t>4/6/2021</a:t>
             </a:fld>
             <a:endParaRPr lang="en-US"/>
           </a:p>
@@ -1826,7 +1833,7 @@
           <a:p>
             <a:fld id="{925A7D51-1326-479B-A115-B13933368759}" type="datetimeFigureOut">
               <a:rPr lang="en-US" smtClean="0"/>
-              <a:t>4/5/2021</a:t>
+              <a:t>4/6/2021</a:t>
             </a:fld>
             <a:endParaRPr lang="en-US"/>
           </a:p>
@@ -1968,7 +1975,7 @@
           <a:p>
             <a:fld id="{925A7D51-1326-479B-A115-B13933368759}" type="datetimeFigureOut">
               <a:rPr lang="en-US" smtClean="0"/>
-              <a:t>4/5/2021</a:t>
+              <a:t>4/6/2021</a:t>
             </a:fld>
             <a:endParaRPr lang="en-US"/>
           </a:p>
@@ -2081,7 +2088,7 @@
           <a:p>
             <a:fld id="{925A7D51-1326-479B-A115-B13933368759}" type="datetimeFigureOut">
               <a:rPr lang="en-US" smtClean="0"/>
-              <a:t>4/5/2021</a:t>
+              <a:t>4/6/2021</a:t>
             </a:fld>
             <a:endParaRPr lang="en-US"/>
           </a:p>
@@ -2394,7 +2401,7 @@
           <a:p>
             <a:fld id="{925A7D51-1326-479B-A115-B13933368759}" type="datetimeFigureOut">
               <a:rPr lang="en-US" smtClean="0"/>
-              <a:t>4/5/2021</a:t>
+              <a:t>4/6/2021</a:t>
             </a:fld>
             <a:endParaRPr lang="en-US"/>
           </a:p>
@@ -2683,7 +2690,7 @@
           <a:p>
             <a:fld id="{925A7D51-1326-479B-A115-B13933368759}" type="datetimeFigureOut">
               <a:rPr lang="en-US" smtClean="0"/>
-              <a:t>4/5/2021</a:t>
+              <a:t>4/6/2021</a:t>
             </a:fld>
             <a:endParaRPr lang="en-US"/>
           </a:p>
@@ -2926,7 +2933,7 @@
           <a:p>
             <a:fld id="{925A7D51-1326-479B-A115-B13933368759}" type="datetimeFigureOut">
               <a:rPr lang="en-US" smtClean="0"/>
-              <a:t>4/5/2021</a:t>
+              <a:t>4/6/2021</a:t>
             </a:fld>
             <a:endParaRPr lang="en-US"/>
           </a:p>
@@ -3687,6 +3694,241 @@
 </p:sld>
 </file>
 
+<file path=ppt/slides/slide3.xml><?xml version="1.0" encoding="utf-8"?>
+<p:sld xmlns:a="http://schemas.openxmlformats.org/drawingml/2006/main" xmlns:r="http://schemas.openxmlformats.org/officeDocument/2006/relationships" xmlns:p="http://schemas.openxmlformats.org/presentationml/2006/main">
+  <p:cSld>
+    <p:spTree>
+      <p:nvGrpSpPr>
+        <p:cNvPr id="1" name=""/>
+        <p:cNvGrpSpPr/>
+        <p:nvPr/>
+      </p:nvGrpSpPr>
+      <p:grpSpPr>
+        <a:xfrm>
+          <a:off x="0" y="0"/>
+          <a:ext cx="0" cy="0"/>
+          <a:chOff x="0" y="0"/>
+          <a:chExt cx="0" cy="0"/>
+        </a:xfrm>
+      </p:grpSpPr>
+      <p:sp>
+        <p:nvSpPr>
+          <p:cNvPr id="2" name="Заголовок 1">
+            <a:extLst>
+              <a:ext uri="{FF2B5EF4-FFF2-40B4-BE49-F238E27FC236}">
+                <a16:creationId xmlns:a16="http://schemas.microsoft.com/office/drawing/2014/main" id="{EE71AF2B-73B3-4861-B58E-F3FD6F483C3F}"/>
+              </a:ext>
+            </a:extLst>
+          </p:cNvPr>
+          <p:cNvSpPr>
+            <a:spLocks noGrp="1"/>
+          </p:cNvSpPr>
+          <p:nvPr>
+            <p:ph type="title"/>
+          </p:nvPr>
+        </p:nvSpPr>
+        <p:spPr/>
+        <p:txBody>
+          <a:bodyPr>
+            <a:normAutofit/>
+          </a:bodyPr>
+          <a:lstStyle/>
+          <a:p>
+            <a:r>
+              <a:rPr lang="en-US" dirty="0">
+                <a:solidFill>
+                  <a:srgbClr val="FF0000"/>
+                </a:solidFill>
+              </a:rPr>
+              <a:t>Up/down/left/right keys </a:t>
+            </a:r>
+            <a:r>
+              <a:rPr lang="en-US" dirty="0"/>
+              <a:t>on the page</a:t>
+            </a:r>
+            <a:r>
+              <a:rPr lang="en-US" dirty="0">
+                <a:solidFill>
+                  <a:srgbClr val="FF0000"/>
+                </a:solidFill>
+              </a:rPr>
+              <a:t> </a:t>
+            </a:r>
+          </a:p>
+        </p:txBody>
+      </p:sp>
+      <p:pic>
+        <p:nvPicPr>
+          <p:cNvPr id="6" name="Объект 5">
+            <a:extLst>
+              <a:ext uri="{FF2B5EF4-FFF2-40B4-BE49-F238E27FC236}">
+                <a16:creationId xmlns:a16="http://schemas.microsoft.com/office/drawing/2014/main" id="{832CE8C4-8104-4316-8ACC-FD85929211B9}"/>
+              </a:ext>
+            </a:extLst>
+          </p:cNvPr>
+          <p:cNvPicPr>
+            <a:picLocks noGrp="1" noChangeAspect="1"/>
+          </p:cNvPicPr>
+          <p:nvPr>
+            <p:ph idx="1"/>
+          </p:nvPr>
+        </p:nvPicPr>
+        <p:blipFill>
+          <a:blip r:embed="rId2"/>
+          <a:stretch>
+            <a:fillRect/>
+          </a:stretch>
+        </p:blipFill>
+        <p:spPr>
+          <a:xfrm>
+            <a:off x="2548611" y="1476569"/>
+            <a:ext cx="6034720" cy="4591986"/>
+          </a:xfrm>
+        </p:spPr>
+      </p:pic>
+    </p:spTree>
+    <p:extLst>
+      <p:ext uri="{BB962C8B-B14F-4D97-AF65-F5344CB8AC3E}">
+        <p14:creationId xmlns:p14="http://schemas.microsoft.com/office/powerpoint/2010/main" val="2334437373"/>
+      </p:ext>
+    </p:extLst>
+  </p:cSld>
+  <p:clrMapOvr>
+    <a:masterClrMapping/>
+  </p:clrMapOvr>
+</p:sld>
+</file>
+
+<file path=ppt/slides/slide4.xml><?xml version="1.0" encoding="utf-8"?>
+<p:sld xmlns:a="http://schemas.openxmlformats.org/drawingml/2006/main" xmlns:r="http://schemas.openxmlformats.org/officeDocument/2006/relationships" xmlns:p="http://schemas.openxmlformats.org/presentationml/2006/main">
+  <p:cSld>
+    <p:spTree>
+      <p:nvGrpSpPr>
+        <p:cNvPr id="1" name=""/>
+        <p:cNvGrpSpPr/>
+        <p:nvPr/>
+      </p:nvGrpSpPr>
+      <p:grpSpPr>
+        <a:xfrm>
+          <a:off x="0" y="0"/>
+          <a:ext cx="0" cy="0"/>
+          <a:chOff x="0" y="0"/>
+          <a:chExt cx="0" cy="0"/>
+        </a:xfrm>
+      </p:grpSpPr>
+      <p:sp>
+        <p:nvSpPr>
+          <p:cNvPr id="2" name="Заголовок 1">
+            <a:extLst>
+              <a:ext uri="{FF2B5EF4-FFF2-40B4-BE49-F238E27FC236}">
+                <a16:creationId xmlns:a16="http://schemas.microsoft.com/office/drawing/2014/main" id="{8D362B04-0E8E-4B15-83B9-3015744AAEE0}"/>
+              </a:ext>
+            </a:extLst>
+          </p:cNvPr>
+          <p:cNvSpPr>
+            <a:spLocks noGrp="1"/>
+          </p:cNvSpPr>
+          <p:nvPr>
+            <p:ph type="title"/>
+          </p:nvPr>
+        </p:nvSpPr>
+        <p:spPr/>
+        <p:txBody>
+          <a:bodyPr/>
+          <a:lstStyle/>
+          <a:p>
+            <a:r>
+              <a:rPr lang="en-US" dirty="0"/>
+              <a:t>Save to </a:t>
+            </a:r>
+            <a:r>
+              <a:rPr lang="en-US" dirty="0" err="1">
+                <a:solidFill>
+                  <a:srgbClr val="FF0000"/>
+                </a:solidFill>
+              </a:rPr>
+              <a:t>localStorage</a:t>
+            </a:r>
+            <a:endParaRPr lang="en-US" dirty="0">
+              <a:solidFill>
+                <a:srgbClr val="FF0000"/>
+              </a:solidFill>
+            </a:endParaRPr>
+          </a:p>
+        </p:txBody>
+      </p:sp>
+      <p:pic>
+        <p:nvPicPr>
+          <p:cNvPr id="5" name="Объект 4">
+            <a:extLst>
+              <a:ext uri="{FF2B5EF4-FFF2-40B4-BE49-F238E27FC236}">
+                <a16:creationId xmlns:a16="http://schemas.microsoft.com/office/drawing/2014/main" id="{3C84C2EC-2068-4665-9C5F-643B255806C8}"/>
+              </a:ext>
+            </a:extLst>
+          </p:cNvPr>
+          <p:cNvPicPr>
+            <a:picLocks noGrp="1" noChangeAspect="1"/>
+          </p:cNvPicPr>
+          <p:nvPr>
+            <p:ph idx="1"/>
+          </p:nvPr>
+        </p:nvPicPr>
+        <p:blipFill>
+          <a:blip r:embed="rId2"/>
+          <a:stretch>
+            <a:fillRect/>
+          </a:stretch>
+        </p:blipFill>
+        <p:spPr>
+          <a:xfrm>
+            <a:off x="203706" y="1690688"/>
+            <a:ext cx="5550841" cy="4351338"/>
+          </a:xfrm>
+        </p:spPr>
+      </p:pic>
+      <p:pic>
+        <p:nvPicPr>
+          <p:cNvPr id="7" name="Рисунок 6">
+            <a:extLst>
+              <a:ext uri="{FF2B5EF4-FFF2-40B4-BE49-F238E27FC236}">
+                <a16:creationId xmlns:a16="http://schemas.microsoft.com/office/drawing/2014/main" id="{868DC0B6-6FDB-46D5-8B51-3BBEB56D330B}"/>
+              </a:ext>
+            </a:extLst>
+          </p:cNvPr>
+          <p:cNvPicPr>
+            <a:picLocks noChangeAspect="1"/>
+          </p:cNvPicPr>
+          <p:nvPr/>
+        </p:nvPicPr>
+        <p:blipFill>
+          <a:blip r:embed="rId3"/>
+          <a:stretch>
+            <a:fillRect/>
+          </a:stretch>
+        </p:blipFill>
+        <p:spPr>
+          <a:xfrm>
+            <a:off x="6316052" y="211016"/>
+            <a:ext cx="5203633" cy="6334858"/>
+          </a:xfrm>
+          <a:prstGeom prst="rect">
+            <a:avLst/>
+          </a:prstGeom>
+        </p:spPr>
+      </p:pic>
+    </p:spTree>
+    <p:extLst>
+      <p:ext uri="{BB962C8B-B14F-4D97-AF65-F5344CB8AC3E}">
+        <p14:creationId xmlns:p14="http://schemas.microsoft.com/office/powerpoint/2010/main" val="2416308298"/>
+      </p:ext>
+    </p:extLst>
+  </p:cSld>
+  <p:clrMapOvr>
+    <a:masterClrMapping/>
+  </p:clrMapOvr>
+</p:sld>
+</file>
+
 <file path=ppt/theme/theme1.xml><?xml version="1.0" encoding="utf-8"?>
 <a:theme xmlns:a="http://schemas.openxmlformats.org/drawingml/2006/main" name="Тема Office">
   <a:themeElements>
